--- a/Turma Home Jan2018/1° Sabado/Aula 2/Parte 2/Aula de Excel 2.3.pptx
+++ b/Turma Home Jan2018/1° Sabado/Aula 2/Parte 2/Aula de Excel 2.3.pptx
@@ -5,7 +5,7 @@
     <p:sldMasterId id="2147483678" r:id="rId1"/>
   </p:sldMasterIdLst>
   <p:notesMasterIdLst>
-    <p:notesMasterId r:id="rId10"/>
+    <p:notesMasterId r:id="rId11"/>
   </p:notesMasterIdLst>
   <p:sldIdLst>
     <p:sldId id="256" r:id="rId2"/>
@@ -16,6 +16,7 @@
     <p:sldId id="293" r:id="rId7"/>
     <p:sldId id="292" r:id="rId8"/>
     <p:sldId id="297" r:id="rId9"/>
+    <p:sldId id="298" r:id="rId10"/>
   </p:sldIdLst>
   <p:sldSz cx="12192000" cy="6858000"/>
   <p:notesSz cx="6858000" cy="9144000"/>
@@ -204,7 +205,7 @@
           <a:p>
             <a:fld id="{184BBF33-DD10-46B2-A0A7-44165F3356F0}" type="datetimeFigureOut">
               <a:rPr lang="pt-BR" smtClean="0"/>
-              <a:t>11/01/2019</a:t>
+              <a:t>12/01/2019</a:t>
             </a:fld>
             <a:endParaRPr lang="pt-BR"/>
           </a:p>
@@ -650,7 +651,7 @@
           <a:p>
             <a:fld id="{11612DAF-FD73-4975-A585-30AE5A550125}" type="datetimeFigureOut">
               <a:rPr lang="pt-BR" smtClean="0"/>
-              <a:t>11/01/2019</a:t>
+              <a:t>12/01/2019</a:t>
             </a:fld>
             <a:endParaRPr lang="pt-BR"/>
           </a:p>
@@ -830,7 +831,7 @@
           <a:p>
             <a:fld id="{11612DAF-FD73-4975-A585-30AE5A550125}" type="datetimeFigureOut">
               <a:rPr lang="pt-BR" smtClean="0"/>
-              <a:t>11/01/2019</a:t>
+              <a:t>12/01/2019</a:t>
             </a:fld>
             <a:endParaRPr lang="pt-BR"/>
           </a:p>
@@ -1020,7 +1021,7 @@
           <a:p>
             <a:fld id="{11612DAF-FD73-4975-A585-30AE5A550125}" type="datetimeFigureOut">
               <a:rPr lang="pt-BR" smtClean="0"/>
-              <a:t>11/01/2019</a:t>
+              <a:t>12/01/2019</a:t>
             </a:fld>
             <a:endParaRPr lang="pt-BR"/>
           </a:p>
@@ -1200,7 +1201,7 @@
           <a:p>
             <a:fld id="{11612DAF-FD73-4975-A585-30AE5A550125}" type="datetimeFigureOut">
               <a:rPr lang="pt-BR" smtClean="0"/>
-              <a:t>11/01/2019</a:t>
+              <a:t>12/01/2019</a:t>
             </a:fld>
             <a:endParaRPr lang="pt-BR"/>
           </a:p>
@@ -1457,7 +1458,7 @@
           <a:p>
             <a:fld id="{11612DAF-FD73-4975-A585-30AE5A550125}" type="datetimeFigureOut">
               <a:rPr lang="pt-BR" smtClean="0"/>
-              <a:t>11/01/2019</a:t>
+              <a:t>12/01/2019</a:t>
             </a:fld>
             <a:endParaRPr lang="pt-BR"/>
           </a:p>
@@ -1754,7 +1755,7 @@
           <a:p>
             <a:fld id="{11612DAF-FD73-4975-A585-30AE5A550125}" type="datetimeFigureOut">
               <a:rPr lang="pt-BR" smtClean="0"/>
-              <a:t>11/01/2019</a:t>
+              <a:t>12/01/2019</a:t>
             </a:fld>
             <a:endParaRPr lang="pt-BR"/>
           </a:p>
@@ -2190,7 +2191,7 @@
           <a:p>
             <a:fld id="{11612DAF-FD73-4975-A585-30AE5A550125}" type="datetimeFigureOut">
               <a:rPr lang="pt-BR" smtClean="0"/>
-              <a:t>11/01/2019</a:t>
+              <a:t>12/01/2019</a:t>
             </a:fld>
             <a:endParaRPr lang="pt-BR"/>
           </a:p>
@@ -2319,7 +2320,7 @@
           <a:p>
             <a:fld id="{11612DAF-FD73-4975-A585-30AE5A550125}" type="datetimeFigureOut">
               <a:rPr lang="pt-BR" smtClean="0"/>
-              <a:t>11/01/2019</a:t>
+              <a:t>12/01/2019</a:t>
             </a:fld>
             <a:endParaRPr lang="pt-BR"/>
           </a:p>
@@ -2426,7 +2427,7 @@
           <a:p>
             <a:fld id="{11612DAF-FD73-4975-A585-30AE5A550125}" type="datetimeFigureOut">
               <a:rPr lang="pt-BR" smtClean="0"/>
-              <a:t>11/01/2019</a:t>
+              <a:t>12/01/2019</a:t>
             </a:fld>
             <a:endParaRPr lang="pt-BR"/>
           </a:p>
@@ -2713,7 +2714,7 @@
           <a:p>
             <a:fld id="{11612DAF-FD73-4975-A585-30AE5A550125}" type="datetimeFigureOut">
               <a:rPr lang="pt-BR" smtClean="0"/>
-              <a:t>11/01/2019</a:t>
+              <a:t>12/01/2019</a:t>
             </a:fld>
             <a:endParaRPr lang="pt-BR"/>
           </a:p>
@@ -2980,7 +2981,7 @@
           <a:p>
             <a:fld id="{11612DAF-FD73-4975-A585-30AE5A550125}" type="datetimeFigureOut">
               <a:rPr lang="pt-BR" smtClean="0"/>
-              <a:t>11/01/2019</a:t>
+              <a:t>12/01/2019</a:t>
             </a:fld>
             <a:endParaRPr lang="pt-BR"/>
           </a:p>
@@ -3203,7 +3204,7 @@
           <a:p>
             <a:fld id="{11612DAF-FD73-4975-A585-30AE5A550125}" type="datetimeFigureOut">
               <a:rPr lang="pt-BR" smtClean="0"/>
-              <a:t>11/01/2019</a:t>
+              <a:t>12/01/2019</a:t>
             </a:fld>
             <a:endParaRPr lang="pt-BR"/>
           </a:p>
@@ -4543,20 +4544,22 @@
       </p:sp>
       <p:pic>
         <p:nvPicPr>
-          <p:cNvPr id="15" name="Gráfico 14" descr="Frasco"/>
+          <p:cNvPr id="15" name="Gráfico 14" descr="Frasco">
+            <a:hlinkClick r:id="rId2" action="ppaction://hlinkfile"/>
+          </p:cNvPr>
           <p:cNvPicPr>
             <a:picLocks noChangeAspect="1"/>
           </p:cNvPicPr>
           <p:nvPr/>
         </p:nvPicPr>
         <p:blipFill>
-          <a:blip r:embed="rId2">
+          <a:blip r:embed="rId3">
             <a:extLst>
               <a:ext uri="{28A0092B-C50C-407E-A947-70E740481C1C}">
                 <a14:useLocalDpi xmlns:a14="http://schemas.microsoft.com/office/drawing/2010/main" val="0"/>
               </a:ext>
               <a:ext uri="{96DAC541-7B7A-43D3-8B79-37D633B846F1}">
-                <asvg:svgBlip xmlns:asvg="http://schemas.microsoft.com/office/drawing/2016/SVG/main" r:embed="rId3"/>
+                <asvg:svgBlip xmlns:asvg="http://schemas.microsoft.com/office/drawing/2016/SVG/main" r:embed="rId4"/>
               </a:ext>
             </a:extLst>
           </a:blip>
@@ -5033,20 +5036,27 @@
       </p:sp>
       <p:pic>
         <p:nvPicPr>
-          <p:cNvPr id="9" name="Gráfico 8" descr="Frasco"/>
+          <p:cNvPr id="8" name="Gráfico 7" descr="Frasco">
+            <a:hlinkClick r:id="rId2" action="ppaction://hlinkfile"/>
+            <a:extLst>
+              <a:ext uri="{FF2B5EF4-FFF2-40B4-BE49-F238E27FC236}">
+                <a16:creationId xmlns:a16="http://schemas.microsoft.com/office/drawing/2014/main" id="{C2D09BEF-052F-4CF8-9160-4B56CB4096C3}"/>
+              </a:ext>
+            </a:extLst>
+          </p:cNvPr>
           <p:cNvPicPr>
             <a:picLocks noChangeAspect="1"/>
           </p:cNvPicPr>
           <p:nvPr/>
         </p:nvPicPr>
         <p:blipFill>
-          <a:blip r:embed="rId2">
+          <a:blip r:embed="rId3">
             <a:extLst>
               <a:ext uri="{28A0092B-C50C-407E-A947-70E740481C1C}">
                 <a14:useLocalDpi xmlns:a14="http://schemas.microsoft.com/office/drawing/2010/main" val="0"/>
               </a:ext>
               <a:ext uri="{96DAC541-7B7A-43D3-8B79-37D633B846F1}">
-                <asvg:svgBlip xmlns:asvg="http://schemas.microsoft.com/office/drawing/2016/SVG/main" r:embed="rId3"/>
+                <asvg:svgBlip xmlns:asvg="http://schemas.microsoft.com/office/drawing/2016/SVG/main" r:embed="rId4"/>
               </a:ext>
             </a:extLst>
           </a:blip>
@@ -5056,8 +5066,8 @@
         </p:blipFill>
         <p:spPr>
           <a:xfrm>
-            <a:off x="11037912" y="5124864"/>
-            <a:ext cx="1595267" cy="1595267"/>
+            <a:off x="11306576" y="5860033"/>
+            <a:ext cx="880661" cy="880661"/>
           </a:xfrm>
           <a:prstGeom prst="rect">
             <a:avLst/>
@@ -5565,20 +5575,27 @@
       </p:sp>
       <p:pic>
         <p:nvPicPr>
-          <p:cNvPr id="5" name="Gráfico 4" descr="Frasco"/>
+          <p:cNvPr id="8" name="Gráfico 7" descr="Frasco">
+            <a:hlinkClick r:id="rId2" action="ppaction://hlinkfile"/>
+            <a:extLst>
+              <a:ext uri="{FF2B5EF4-FFF2-40B4-BE49-F238E27FC236}">
+                <a16:creationId xmlns:a16="http://schemas.microsoft.com/office/drawing/2014/main" id="{6C221E0E-0B3A-412E-AA24-6332C45FC1D9}"/>
+              </a:ext>
+            </a:extLst>
+          </p:cNvPr>
           <p:cNvPicPr>
             <a:picLocks noChangeAspect="1"/>
           </p:cNvPicPr>
           <p:nvPr/>
         </p:nvPicPr>
         <p:blipFill>
-          <a:blip r:embed="rId2">
+          <a:blip r:embed="rId3">
             <a:extLst>
               <a:ext uri="{28A0092B-C50C-407E-A947-70E740481C1C}">
                 <a14:useLocalDpi xmlns:a14="http://schemas.microsoft.com/office/drawing/2010/main" val="0"/>
               </a:ext>
               <a:ext uri="{96DAC541-7B7A-43D3-8B79-37D633B846F1}">
-                <asvg:svgBlip xmlns:asvg="http://schemas.microsoft.com/office/drawing/2016/SVG/main" r:embed="rId3"/>
+                <asvg:svgBlip xmlns:asvg="http://schemas.microsoft.com/office/drawing/2016/SVG/main" r:embed="rId4"/>
               </a:ext>
             </a:extLst>
           </a:blip>
@@ -5588,8 +5605,8 @@
         </p:blipFill>
         <p:spPr>
           <a:xfrm>
-            <a:off x="10781455" y="5078931"/>
-            <a:ext cx="1595267" cy="1595267"/>
+            <a:off x="11306576" y="5860033"/>
+            <a:ext cx="880661" cy="880661"/>
           </a:xfrm>
           <a:prstGeom prst="rect">
             <a:avLst/>
@@ -6124,20 +6141,27 @@
       </p:sp>
       <p:pic>
         <p:nvPicPr>
-          <p:cNvPr id="9" name="Gráfico 8" descr="Frasco"/>
+          <p:cNvPr id="8" name="Gráfico 7" descr="Frasco">
+            <a:hlinkClick r:id="rId2" action="ppaction://hlinkfile"/>
+            <a:extLst>
+              <a:ext uri="{FF2B5EF4-FFF2-40B4-BE49-F238E27FC236}">
+                <a16:creationId xmlns:a16="http://schemas.microsoft.com/office/drawing/2014/main" id="{13DD76C8-6098-4D37-92DF-B20E44E3DFB6}"/>
+              </a:ext>
+            </a:extLst>
+          </p:cNvPr>
           <p:cNvPicPr>
             <a:picLocks noChangeAspect="1"/>
           </p:cNvPicPr>
           <p:nvPr/>
         </p:nvPicPr>
         <p:blipFill>
-          <a:blip r:embed="rId2">
+          <a:blip r:embed="rId3">
             <a:extLst>
               <a:ext uri="{28A0092B-C50C-407E-A947-70E740481C1C}">
                 <a14:useLocalDpi xmlns:a14="http://schemas.microsoft.com/office/drawing/2010/main" val="0"/>
               </a:ext>
               <a:ext uri="{96DAC541-7B7A-43D3-8B79-37D633B846F1}">
-                <asvg:svgBlip xmlns:asvg="http://schemas.microsoft.com/office/drawing/2016/SVG/main" r:embed="rId3"/>
+                <asvg:svgBlip xmlns:asvg="http://schemas.microsoft.com/office/drawing/2016/SVG/main" r:embed="rId4"/>
               </a:ext>
             </a:extLst>
           </a:blip>
@@ -6147,8 +6171,8 @@
         </p:blipFill>
         <p:spPr>
           <a:xfrm>
-            <a:off x="10781455" y="5078931"/>
-            <a:ext cx="1595267" cy="1595267"/>
+            <a:off x="11306576" y="5860033"/>
+            <a:ext cx="880661" cy="880661"/>
           </a:xfrm>
           <a:prstGeom prst="rect">
             <a:avLst/>
@@ -6705,20 +6729,27 @@
       </p:sp>
       <p:pic>
         <p:nvPicPr>
-          <p:cNvPr id="9" name="Gráfico 8" descr="Frasco"/>
+          <p:cNvPr id="8" name="Gráfico 7" descr="Frasco">
+            <a:hlinkClick r:id="rId2" action="ppaction://hlinkfile"/>
+            <a:extLst>
+              <a:ext uri="{FF2B5EF4-FFF2-40B4-BE49-F238E27FC236}">
+                <a16:creationId xmlns:a16="http://schemas.microsoft.com/office/drawing/2014/main" id="{9F4D24B6-9F9F-4DC6-87E4-7E75A0D8F106}"/>
+              </a:ext>
+            </a:extLst>
+          </p:cNvPr>
           <p:cNvPicPr>
             <a:picLocks noChangeAspect="1"/>
           </p:cNvPicPr>
           <p:nvPr/>
         </p:nvPicPr>
         <p:blipFill>
-          <a:blip r:embed="rId2">
+          <a:blip r:embed="rId3">
             <a:extLst>
               <a:ext uri="{28A0092B-C50C-407E-A947-70E740481C1C}">
                 <a14:useLocalDpi xmlns:a14="http://schemas.microsoft.com/office/drawing/2010/main" val="0"/>
               </a:ext>
               <a:ext uri="{96DAC541-7B7A-43D3-8B79-37D633B846F1}">
-                <asvg:svgBlip xmlns:asvg="http://schemas.microsoft.com/office/drawing/2016/SVG/main" r:embed="rId3"/>
+                <asvg:svgBlip xmlns:asvg="http://schemas.microsoft.com/office/drawing/2016/SVG/main" r:embed="rId4"/>
               </a:ext>
             </a:extLst>
           </a:blip>
@@ -6728,8 +6759,8 @@
         </p:blipFill>
         <p:spPr>
           <a:xfrm>
-            <a:off x="11051979" y="5262733"/>
-            <a:ext cx="1595267" cy="1595267"/>
+            <a:off x="11306576" y="5860033"/>
+            <a:ext cx="880661" cy="880661"/>
           </a:xfrm>
           <a:prstGeom prst="rect">
             <a:avLst/>
@@ -7015,42 +7046,6 @@
           </a:p>
         </p:txBody>
       </p:sp>
-      <p:pic>
-        <p:nvPicPr>
-          <p:cNvPr id="9" name="Gráfico 8" descr="Frasco"/>
-          <p:cNvPicPr>
-            <a:picLocks noChangeAspect="1"/>
-          </p:cNvPicPr>
-          <p:nvPr/>
-        </p:nvPicPr>
-        <p:blipFill>
-          <a:blip r:embed="rId2">
-            <a:extLst>
-              <a:ext uri="{28A0092B-C50C-407E-A947-70E740481C1C}">
-                <a14:useLocalDpi xmlns:a14="http://schemas.microsoft.com/office/drawing/2010/main" val="0"/>
-              </a:ext>
-              <a:ext uri="{96DAC541-7B7A-43D3-8B79-37D633B846F1}">
-                <asvg:svgBlip xmlns:asvg="http://schemas.microsoft.com/office/drawing/2016/SVG/main" r:embed="rId3"/>
-              </a:ext>
-            </a:extLst>
-          </a:blip>
-          <a:stretch>
-            <a:fillRect/>
-          </a:stretch>
-        </p:blipFill>
-        <p:spPr>
-          <a:xfrm>
-            <a:off x="11051979" y="5262733"/>
-            <a:ext cx="1595267" cy="1595267"/>
-          </a:xfrm>
-          <a:prstGeom prst="rect">
-            <a:avLst/>
-          </a:prstGeom>
-          <a:ln>
-            <a:noFill/>
-          </a:ln>
-        </p:spPr>
-      </p:pic>
       <p:graphicFrame>
         <p:nvGraphicFramePr>
           <p:cNvPr id="4" name="Tabela 3"/>
@@ -8208,10 +8203,271 @@
           </a:p>
         </p:txBody>
       </p:sp>
+      <p:pic>
+        <p:nvPicPr>
+          <p:cNvPr id="8" name="Gráfico 7" descr="Frasco">
+            <a:hlinkClick r:id="rId2" action="ppaction://hlinkfile"/>
+            <a:extLst>
+              <a:ext uri="{FF2B5EF4-FFF2-40B4-BE49-F238E27FC236}">
+                <a16:creationId xmlns:a16="http://schemas.microsoft.com/office/drawing/2014/main" id="{3602DAF4-CAB7-48A0-9D2A-D1D52648B435}"/>
+              </a:ext>
+            </a:extLst>
+          </p:cNvPr>
+          <p:cNvPicPr>
+            <a:picLocks noChangeAspect="1"/>
+          </p:cNvPicPr>
+          <p:nvPr/>
+        </p:nvPicPr>
+        <p:blipFill>
+          <a:blip r:embed="rId3">
+            <a:extLst>
+              <a:ext uri="{28A0092B-C50C-407E-A947-70E740481C1C}">
+                <a14:useLocalDpi xmlns:a14="http://schemas.microsoft.com/office/drawing/2010/main" val="0"/>
+              </a:ext>
+              <a:ext uri="{96DAC541-7B7A-43D3-8B79-37D633B846F1}">
+                <asvg:svgBlip xmlns:asvg="http://schemas.microsoft.com/office/drawing/2016/SVG/main" r:embed="rId4"/>
+              </a:ext>
+            </a:extLst>
+          </a:blip>
+          <a:stretch>
+            <a:fillRect/>
+          </a:stretch>
+        </p:blipFill>
+        <p:spPr>
+          <a:xfrm>
+            <a:off x="11306576" y="5860033"/>
+            <a:ext cx="880661" cy="880661"/>
+          </a:xfrm>
+          <a:prstGeom prst="rect">
+            <a:avLst/>
+          </a:prstGeom>
+          <a:ln>
+            <a:noFill/>
+          </a:ln>
+        </p:spPr>
+      </p:pic>
     </p:spTree>
     <p:extLst>
       <p:ext uri="{BB962C8B-B14F-4D97-AF65-F5344CB8AC3E}">
         <p14:creationId xmlns:p14="http://schemas.microsoft.com/office/powerpoint/2010/main" val="315516411"/>
+      </p:ext>
+    </p:extLst>
+  </p:cSld>
+  <p:clrMapOvr>
+    <a:masterClrMapping/>
+  </p:clrMapOvr>
+  <mc:AlternateContent xmlns:mc="http://schemas.openxmlformats.org/markup-compatibility/2006" xmlns:p159="http://schemas.microsoft.com/office/powerpoint/2015/09/main">
+    <mc:Choice Requires="p159">
+      <p:transition xmlns:p14="http://schemas.microsoft.com/office/powerpoint/2010/main" spd="slow" p14:dur="2000">
+        <p159:morph option="byObject"/>
+      </p:transition>
+    </mc:Choice>
+    <mc:Fallback xmlns="">
+      <p:transition spd="slow">
+        <p:fade/>
+      </p:transition>
+    </mc:Fallback>
+  </mc:AlternateContent>
+</p:sld>
+</file>
+
+<file path=ppt/slides/slide9.xml><?xml version="1.0" encoding="utf-8"?>
+<p:sld xmlns:a="http://schemas.openxmlformats.org/drawingml/2006/main" xmlns:r="http://schemas.openxmlformats.org/officeDocument/2006/relationships" xmlns:p="http://schemas.openxmlformats.org/presentationml/2006/main">
+  <p:cSld>
+    <p:spTree>
+      <p:nvGrpSpPr>
+        <p:cNvPr id="1" name=""/>
+        <p:cNvGrpSpPr/>
+        <p:nvPr/>
+      </p:nvGrpSpPr>
+      <p:grpSpPr>
+        <a:xfrm>
+          <a:off x="0" y="0"/>
+          <a:ext cx="0" cy="0"/>
+          <a:chOff x="0" y="0"/>
+          <a:chExt cx="0" cy="0"/>
+        </a:xfrm>
+      </p:grpSpPr>
+      <p:sp>
+        <p:nvSpPr>
+          <p:cNvPr id="6" name="Retângulo 5"/>
+          <p:cNvSpPr/>
+          <p:nvPr/>
+        </p:nvSpPr>
+        <p:spPr>
+          <a:xfrm flipH="1">
+            <a:off x="-4763" y="165794"/>
+            <a:ext cx="12192000" cy="1309753"/>
+          </a:xfrm>
+          <a:prstGeom prst="rect">
+            <a:avLst/>
+          </a:prstGeom>
+          <a:solidFill>
+            <a:srgbClr val="DC474B"/>
+          </a:solidFill>
+          <a:ln>
+            <a:noFill/>
+          </a:ln>
+          <a:effectLst>
+            <a:glow>
+              <a:schemeClr val="accent1"/>
+            </a:glow>
+          </a:effectLst>
+        </p:spPr>
+        <p:style>
+          <a:lnRef idx="2">
+            <a:schemeClr val="accent1">
+              <a:shade val="50000"/>
+            </a:schemeClr>
+          </a:lnRef>
+          <a:fillRef idx="1">
+            <a:schemeClr val="accent1"/>
+          </a:fillRef>
+          <a:effectRef idx="0">
+            <a:schemeClr val="accent1"/>
+          </a:effectRef>
+          <a:fontRef idx="minor">
+            <a:schemeClr val="lt1"/>
+          </a:fontRef>
+        </p:style>
+        <p:txBody>
+          <a:bodyPr rtlCol="0" anchor="ctr"/>
+          <a:lstStyle/>
+          <a:p>
+            <a:pPr algn="ctr"/>
+            <a:endParaRPr lang="pt-BR"/>
+          </a:p>
+        </p:txBody>
+      </p:sp>
+      <p:sp>
+        <p:nvSpPr>
+          <p:cNvPr id="2" name="Título 1"/>
+          <p:cNvSpPr>
+            <a:spLocks noGrp="1"/>
+          </p:cNvSpPr>
+          <p:nvPr>
+            <p:ph type="ctrTitle"/>
+          </p:nvPr>
+        </p:nvSpPr>
+        <p:spPr>
+          <a:xfrm>
+            <a:off x="-4763" y="80449"/>
+            <a:ext cx="9725538" cy="1223237"/>
+          </a:xfrm>
+          <a:ln>
+            <a:noFill/>
+          </a:ln>
+          <a:effectLst>
+            <a:outerShdw blurRad="44450" dist="27940" dir="5400000" algn="ctr">
+              <a:schemeClr val="tx1">
+                <a:alpha val="32000"/>
+              </a:schemeClr>
+            </a:outerShdw>
+          </a:effectLst>
+          <a:scene3d>
+            <a:camera prst="orthographicFront">
+              <a:rot lat="0" lon="0" rev="0"/>
+            </a:camera>
+            <a:lightRig rig="balanced" dir="t">
+              <a:rot lat="0" lon="0" rev="8700000"/>
+            </a:lightRig>
+          </a:scene3d>
+          <a:sp3d>
+            <a:bevelT w="190500" h="38100"/>
+          </a:sp3d>
+        </p:spPr>
+        <p:txBody>
+          <a:bodyPr>
+            <a:noAutofit/>
+          </a:bodyPr>
+          <a:lstStyle/>
+          <a:p>
+            <a:pPr algn="l"/>
+            <a:r>
+              <a:rPr lang="pt-BR" sz="3600" dirty="0">
+                <a:solidFill>
+                  <a:schemeClr val="bg1"/>
+                </a:solidFill>
+                <a:latin typeface="Arial" panose="020B0604020202020204" pitchFamily="34" charset="0"/>
+                <a:cs typeface="Arial" panose="020B0604020202020204" pitchFamily="34" charset="0"/>
+              </a:rPr>
+              <a:t>Referencias Relativas Absolutas, e Mistas:</a:t>
+            </a:r>
+            <a:endParaRPr lang="pt-BR" sz="4400" dirty="0">
+              <a:solidFill>
+                <a:schemeClr val="bg1"/>
+              </a:solidFill>
+              <a:latin typeface="Arial" panose="020B0604020202020204" pitchFamily="34" charset="0"/>
+              <a:cs typeface="Arial" panose="020B0604020202020204" pitchFamily="34" charset="0"/>
+            </a:endParaRPr>
+          </a:p>
+        </p:txBody>
+      </p:sp>
+      <p:pic>
+        <p:nvPicPr>
+          <p:cNvPr id="9" name="Gráfico 8" descr="Frasco">
+            <a:hlinkClick r:id="rId2" action="ppaction://hlinkfile"/>
+          </p:cNvPr>
+          <p:cNvPicPr>
+            <a:picLocks noChangeAspect="1"/>
+          </p:cNvPicPr>
+          <p:nvPr/>
+        </p:nvPicPr>
+        <p:blipFill>
+          <a:blip r:embed="rId3">
+            <a:extLst>
+              <a:ext uri="{28A0092B-C50C-407E-A947-70E740481C1C}">
+                <a14:useLocalDpi xmlns:a14="http://schemas.microsoft.com/office/drawing/2010/main" val="0"/>
+              </a:ext>
+              <a:ext uri="{96DAC541-7B7A-43D3-8B79-37D633B846F1}">
+                <asvg:svgBlip xmlns:asvg="http://schemas.microsoft.com/office/drawing/2016/SVG/main" r:embed="rId4"/>
+              </a:ext>
+            </a:extLst>
+          </a:blip>
+          <a:stretch>
+            <a:fillRect/>
+          </a:stretch>
+        </p:blipFill>
+        <p:spPr>
+          <a:xfrm>
+            <a:off x="11051979" y="5262733"/>
+            <a:ext cx="1595267" cy="1595267"/>
+          </a:xfrm>
+          <a:prstGeom prst="rect">
+            <a:avLst/>
+          </a:prstGeom>
+          <a:ln>
+            <a:noFill/>
+          </a:ln>
+        </p:spPr>
+      </p:pic>
+      <p:pic>
+        <p:nvPicPr>
+          <p:cNvPr id="7" name="Imagem 6"/>
+          <p:cNvPicPr>
+            <a:picLocks noChangeAspect="1"/>
+          </p:cNvPicPr>
+          <p:nvPr/>
+        </p:nvPicPr>
+        <p:blipFill rotWithShape="1">
+          <a:blip r:embed="rId5"/>
+          <a:srcRect l="27001" t="34065" r="24768" b="23749"/>
+          <a:stretch/>
+        </p:blipFill>
+        <p:spPr>
+          <a:xfrm>
+            <a:off x="956603" y="1837326"/>
+            <a:ext cx="9791114" cy="4564019"/>
+          </a:xfrm>
+          <a:prstGeom prst="rect">
+            <a:avLst/>
+          </a:prstGeom>
+        </p:spPr>
+      </p:pic>
+    </p:spTree>
+    <p:extLst>
+      <p:ext uri="{BB962C8B-B14F-4D97-AF65-F5344CB8AC3E}">
+        <p14:creationId xmlns:p14="http://schemas.microsoft.com/office/powerpoint/2010/main" val="1376125711"/>
       </p:ext>
     </p:extLst>
   </p:cSld>
